--- a/powerpoint/Session 1 - Website Struktur.pptx
+++ b/powerpoint/Session 1 - Website Struktur.pptx
@@ -3197,13 +3197,6 @@
               </a:rPr>
               <a:t>Website Strukturen</a:t>
             </a:r>
-            <a:endParaRPr lang="de-DE" sz="6000" dirty="0" smtClean="0">
-              <a:solidFill>
-                <a:schemeClr val="bg1"/>
-              </a:solidFill>
-              <a:latin typeface="Calibri Light"/>
-              <a:cs typeface="Calibri Light"/>
-            </a:endParaRPr>
           </a:p>
         </p:txBody>
       </p:sp>
@@ -3315,7 +3308,7 @@
         <p:spPr>
           <a:xfrm>
             <a:off x="505517" y="1029784"/>
-            <a:ext cx="8223897" cy="5170645"/>
+            <a:ext cx="8223897" cy="5509199"/>
           </a:xfrm>
           <a:prstGeom prst="rect">
             <a:avLst/>
@@ -3482,7 +3475,86 @@
                 <a:latin typeface="Calibri Light"/>
                 <a:cs typeface="Calibri Light"/>
               </a:rPr>
-              <a:t>Arbeiten mit Frameworks am Bsp. Von Bootstrap</a:t>
+              <a:t>Arbeiten mit Frameworks am Bsp. Von </a:t>
+            </a:r>
+            <a:r>
+              <a:rPr lang="de-DE" sz="2200" dirty="0" smtClean="0">
+                <a:solidFill>
+                  <a:schemeClr val="bg1"/>
+                </a:solidFill>
+                <a:latin typeface="Calibri Light"/>
+                <a:cs typeface="Calibri Light"/>
+              </a:rPr>
+              <a:t>Bootstrap</a:t>
+            </a:r>
+            <a:br>
+              <a:rPr lang="de-DE" sz="2200" dirty="0" smtClean="0">
+                <a:solidFill>
+                  <a:schemeClr val="bg1"/>
+                </a:solidFill>
+                <a:latin typeface="Calibri Light"/>
+                <a:cs typeface="Calibri Light"/>
+              </a:rPr>
+            </a:br>
+            <a:r>
+              <a:rPr lang="de-DE" sz="2200" dirty="0" smtClean="0">
+                <a:solidFill>
+                  <a:schemeClr val="bg1"/>
+                </a:solidFill>
+                <a:latin typeface="Calibri Light"/>
+                <a:cs typeface="Calibri Light"/>
+              </a:rPr>
+              <a:t>Follow </a:t>
+            </a:r>
+            <a:r>
+              <a:rPr lang="de-DE" sz="2200" dirty="0" err="1" smtClean="0">
+                <a:solidFill>
+                  <a:schemeClr val="bg1"/>
+                </a:solidFill>
+                <a:latin typeface="Calibri Light"/>
+                <a:cs typeface="Calibri Light"/>
+              </a:rPr>
+              <a:t>Up</a:t>
+            </a:r>
+            <a:r>
+              <a:rPr lang="de-DE" sz="2200" dirty="0" smtClean="0">
+                <a:solidFill>
+                  <a:schemeClr val="bg1"/>
+                </a:solidFill>
+                <a:latin typeface="Calibri Light"/>
+                <a:cs typeface="Calibri Light"/>
+              </a:rPr>
+              <a:t>: Nutzun</a:t>
+            </a:r>
+            <a:r>
+              <a:rPr lang="de-DE" sz="2200" dirty="0" smtClean="0">
+                <a:solidFill>
+                  <a:schemeClr val="bg1"/>
+                </a:solidFill>
+                <a:latin typeface="Calibri Light"/>
+                <a:cs typeface="Calibri Light"/>
+              </a:rPr>
+              <a:t>g anderer Frameworks (z.B. </a:t>
+            </a:r>
+            <a:r>
+              <a:rPr lang="de-DE" sz="2200" dirty="0" err="1" smtClean="0">
+                <a:solidFill>
+                  <a:schemeClr val="bg1"/>
+                </a:solidFill>
+                <a:latin typeface="Calibri Light"/>
+                <a:cs typeface="Calibri Light"/>
+              </a:rPr>
+              <a:t>Foundation</a:t>
+            </a:r>
+            <a:r>
+              <a:rPr lang="de-DE" sz="2200" dirty="0" smtClean="0">
+                <a:solidFill>
+                  <a:schemeClr val="bg1"/>
+                </a:solidFill>
+                <a:latin typeface="Calibri Light"/>
+                <a:cs typeface="Calibri Light"/>
+              </a:rPr>
+              <a:t>)</a:t>
             </a:r>
             <a:br>
               <a:rPr lang="de-DE" sz="2200" dirty="0" smtClean="0">
@@ -3837,13 +3909,6 @@
               </a:rPr>
               <a:t>)</a:t>
             </a:r>
-            <a:endParaRPr lang="de-DE" sz="2500" dirty="0" smtClean="0">
-              <a:solidFill>
-                <a:schemeClr val="bg1"/>
-              </a:solidFill>
-              <a:latin typeface="Calibri Light"/>
-              <a:cs typeface="Calibri Light"/>
-            </a:endParaRPr>
           </a:p>
           <a:p>
             <a:pPr marL="285750" indent="-285750">
@@ -4041,13 +4106,6 @@
               </a:rPr>
               <a:t>Web-Applikationen</a:t>
             </a:r>
-            <a:endParaRPr lang="de-DE" sz="2500" dirty="0" smtClean="0">
-              <a:solidFill>
-                <a:schemeClr val="bg1"/>
-              </a:solidFill>
-              <a:latin typeface="Calibri Light"/>
-              <a:cs typeface="Calibri Light"/>
-            </a:endParaRPr>
           </a:p>
         </p:txBody>
       </p:sp>
@@ -4864,13 +4922,6 @@
               </a:rPr>
               <a:t> Im Browser dargestellter Bereich</a:t>
             </a:r>
-            <a:endParaRPr lang="de-DE" sz="2500" dirty="0" smtClean="0">
-              <a:solidFill>
-                <a:schemeClr val="bg1"/>
-              </a:solidFill>
-              <a:latin typeface="Calibri Light"/>
-              <a:cs typeface="Calibri Light"/>
-            </a:endParaRPr>
           </a:p>
         </p:txBody>
       </p:sp>
@@ -5164,17 +5215,7 @@
                 <a:latin typeface="Calibri Light"/>
                 <a:cs typeface="Calibri Light"/>
               </a:rPr>
-              <a:t>m</a:t>
-            </a:r>
-            <a:r>
-              <a:rPr lang="de-DE" sz="2200" dirty="0" err="1" smtClean="0">
-                <a:solidFill>
-                  <a:schemeClr val="bg1"/>
-                </a:solidFill>
-                <a:latin typeface="Calibri Light"/>
-                <a:cs typeface="Calibri Light"/>
-              </a:rPr>
-              <a:t>ain</a:t>
+              <a:t>main</a:t>
             </a:r>
             <a:r>
               <a:rPr lang="de-DE" sz="2200" dirty="0" smtClean="0">
@@ -5803,37 +5844,17 @@
                 <a:latin typeface="Calibri Light"/>
                 <a:cs typeface="Calibri Light"/>
               </a:rPr>
-              <a:t>r</a:t>
-            </a:r>
-            <a:r>
-              <a:rPr lang="de-DE" sz="2200" dirty="0" err="1" smtClean="0">
-                <a:solidFill>
-                  <a:schemeClr val="bg1"/>
-                </a:solidFill>
-                <a:latin typeface="Calibri Light"/>
-                <a:cs typeface="Calibri Light"/>
-              </a:rPr>
-              <a:t>obots.txt</a:t>
-            </a:r>
-            <a:r>
-              <a:rPr lang="de-DE" sz="2200" dirty="0" smtClean="0">
-                <a:solidFill>
-                  <a:schemeClr val="bg1"/>
-                </a:solidFill>
-                <a:latin typeface="Calibri Light"/>
-                <a:cs typeface="Calibri Light"/>
-              </a:rPr>
-              <a:t> </a:t>
-            </a:r>
-            <a:r>
-              <a:rPr lang="de-DE" sz="2200" dirty="0" smtClean="0">
-                <a:solidFill>
-                  <a:schemeClr val="bg1"/>
-                </a:solidFill>
-                <a:latin typeface="Calibri Light"/>
-                <a:cs typeface="Calibri Light"/>
-              </a:rPr>
-              <a:t>im Root-Verzeichnis</a:t>
+              <a:t>robots.txt</a:t>
+            </a:r>
+            <a:r>
+              <a:rPr lang="de-DE" sz="2200" dirty="0" smtClean="0">
+                <a:solidFill>
+                  <a:schemeClr val="bg1"/>
+                </a:solidFill>
+                <a:latin typeface="Calibri Light"/>
+                <a:cs typeface="Calibri Light"/>
+              </a:rPr>
+              <a:t> im Root-Verzeichnis</a:t>
             </a:r>
           </a:p>
           <a:p>
@@ -6041,13 +6062,6 @@
               </a:rPr>
               <a:t> Verzeichnisse bei komplexeren Seiten mit z.B. PHP</a:t>
             </a:r>
-            <a:endParaRPr lang="de-DE" sz="2200" dirty="0" smtClean="0">
-              <a:solidFill>
-                <a:schemeClr val="bg1"/>
-              </a:solidFill>
-              <a:latin typeface="Calibri Light"/>
-              <a:cs typeface="Calibri Light"/>
-            </a:endParaRPr>
           </a:p>
         </p:txBody>
       </p:sp>
@@ -6079,23 +6093,7 @@
                   <a:schemeClr val="bg1"/>
                 </a:solidFill>
               </a:rPr>
-              <a:t>Ser</a:t>
-            </a:r>
-            <a:r>
-              <a:rPr lang="de-DE" sz="2800" b="1" dirty="0" smtClean="0">
-                <a:solidFill>
-                  <a:schemeClr val="bg1"/>
-                </a:solidFill>
-              </a:rPr>
-              <a:t>ver </a:t>
-            </a:r>
-            <a:r>
-              <a:rPr lang="de-DE" sz="2800" b="1" dirty="0" smtClean="0">
-                <a:solidFill>
-                  <a:schemeClr val="bg1"/>
-                </a:solidFill>
-              </a:rPr>
-              <a:t>Struktur</a:t>
+              <a:t>Server Struktur</a:t>
             </a:r>
             <a:endParaRPr lang="de-DE" sz="2800" b="1" dirty="0">
               <a:solidFill>
@@ -6277,17 +6275,7 @@
                 <a:latin typeface="Calibri Light"/>
                 <a:cs typeface="Calibri Light"/>
               </a:rPr>
-              <a:t>http://d</a:t>
-            </a:r>
-            <a:r>
-              <a:rPr lang="de-DE" sz="2200" dirty="0" smtClean="0">
-                <a:solidFill>
-                  <a:srgbClr val="FFFFFF"/>
-                </a:solidFill>
-                <a:latin typeface="Calibri Light"/>
-                <a:cs typeface="Calibri Light"/>
-              </a:rPr>
-              <a:t>as-</a:t>
+              <a:t>http://das-</a:t>
             </a:r>
             <a:r>
               <a:rPr lang="de-DE" sz="2200" dirty="0" err="1" smtClean="0">
@@ -7174,13 +7162,6 @@
               </a:rPr>
               <a:t>-sessions</a:t>
             </a:r>
-            <a:endParaRPr lang="de-DE" sz="2200" dirty="0">
-              <a:solidFill>
-                <a:schemeClr val="bg1"/>
-              </a:solidFill>
-              <a:latin typeface="Calibri Light"/>
-              <a:cs typeface="Calibri Light"/>
-            </a:endParaRPr>
           </a:p>
         </p:txBody>
       </p:sp>
